--- a/왕자영요.pptx
+++ b/왕자영요.pptx
@@ -116,6 +116,11 @@
       </a:defRPr>
     </a:lvl9pPr>
   </p:defaultTextStyle>
+  <p:extLst>
+    <p:ext uri="{EFAFB233-063F-42B5-8137-9DF3F51BA10A}">
+      <p15:sldGuideLst xmlns:p15="http://schemas.microsoft.com/office/powerpoint/2012/main"/>
+    </p:ext>
+  </p:extLst>
 </p:presentation>
 </file>
 
@@ -5218,7 +5223,96 @@
                 <a:latin typeface="Rix서울역 Heavy" panose="00000900000000000000" pitchFamily="2" charset="-127"/>
                 <a:ea typeface="Rix서울역 Heavy" panose="00000900000000000000" pitchFamily="2" charset="-127"/>
               </a:rPr>
-              <a:t>?  </a:t>
+              <a:t>?</a:t>
+            </a:r>
+            <a:br>
+              <a:rPr lang="en-US" altLang="ko-KR" sz="2000">
+                <a:latin typeface="Rix서울역 Heavy" panose="00000900000000000000" pitchFamily="2" charset="-127"/>
+                <a:ea typeface="Rix서울역 Heavy" panose="00000900000000000000" pitchFamily="2" charset="-127"/>
+              </a:rPr>
+            </a:br>
+            <a:br>
+              <a:rPr lang="en-US" altLang="ko-KR" sz="2000">
+                <a:latin typeface="Rix서울역 Heavy" panose="00000900000000000000" pitchFamily="2" charset="-127"/>
+                <a:ea typeface="Rix서울역 Heavy" panose="00000900000000000000" pitchFamily="2" charset="-127"/>
+              </a:rPr>
+            </a:br>
+            <a:r>
+              <a:rPr lang="en-US" altLang="ko-KR" sz="2000">
+                <a:latin typeface="Rix서울역 Heavy" panose="00000900000000000000" pitchFamily="2" charset="-127"/>
+                <a:ea typeface="Rix서울역 Heavy" panose="00000900000000000000" pitchFamily="2" charset="-127"/>
+              </a:rPr>
+              <a:t>* </a:t>
+            </a:r>
+            <a:r>
+              <a:rPr lang="ko-KR" altLang="en-US" sz="2000">
+                <a:latin typeface="Rix서울역 Heavy" panose="00000900000000000000" pitchFamily="2" charset="-127"/>
+                <a:ea typeface="Rix서울역 Heavy" panose="00000900000000000000" pitchFamily="2" charset="-127"/>
+              </a:rPr>
+              <a:t>리그 참여에 대한 것도 필요하다</a:t>
+            </a:r>
+            <a:r>
+              <a:rPr lang="en-US" altLang="ko-KR" sz="2000">
+                <a:latin typeface="Rix서울역 Heavy" panose="00000900000000000000" pitchFamily="2" charset="-127"/>
+                <a:ea typeface="Rix서울역 Heavy" panose="00000900000000000000" pitchFamily="2" charset="-127"/>
+              </a:rPr>
+              <a:t>. </a:t>
+            </a:r>
+            <a:r>
+              <a:rPr lang="ko-KR" altLang="en-US" sz="2000">
+                <a:latin typeface="Rix서울역 Heavy" panose="00000900000000000000" pitchFamily="2" charset="-127"/>
+                <a:ea typeface="Rix서울역 Heavy" panose="00000900000000000000" pitchFamily="2" charset="-127"/>
+              </a:rPr>
+              <a:t>각 리그 구단주는 시드를 샀을 때에 오버워치 리그처럼 </a:t>
+            </a:r>
+            <a:r>
+              <a:rPr lang="en-US" altLang="ko-KR" sz="2000">
+                <a:latin typeface="Rix서울역 Heavy" panose="00000900000000000000" pitchFamily="2" charset="-127"/>
+                <a:ea typeface="Rix서울역 Heavy" panose="00000900000000000000" pitchFamily="2" charset="-127"/>
+              </a:rPr>
+              <a:t>6</a:t>
+            </a:r>
+            <a:r>
+              <a:rPr lang="ko-KR" altLang="en-US" sz="2000">
+                <a:latin typeface="Rix서울역 Heavy" panose="00000900000000000000" pitchFamily="2" charset="-127"/>
+                <a:ea typeface="Rix서울역 Heavy" panose="00000900000000000000" pitchFamily="2" charset="-127"/>
+              </a:rPr>
+              <a:t>천만 달러 이상의 돈을 내야지 운영에 참여하는 것도 중요하고</a:t>
+            </a:r>
+            <a:r>
+              <a:rPr lang="en-US" altLang="ko-KR" sz="2000">
+                <a:latin typeface="Rix서울역 Heavy" panose="00000900000000000000" pitchFamily="2" charset="-127"/>
+                <a:ea typeface="Rix서울역 Heavy" panose="00000900000000000000" pitchFamily="2" charset="-127"/>
+              </a:rPr>
+              <a:t>, </a:t>
+            </a:r>
+            <a:r>
+              <a:rPr lang="ko-KR" altLang="en-US" sz="2000">
+                <a:latin typeface="Rix서울역 Heavy" panose="00000900000000000000" pitchFamily="2" charset="-127"/>
+                <a:ea typeface="Rix서울역 Heavy" panose="00000900000000000000" pitchFamily="2" charset="-127"/>
+              </a:rPr>
+              <a:t>어느 정도의 액수를 내야 운영이 참여하게끔 그런 제도도 하나씩 만드는 것이다</a:t>
+            </a:r>
+            <a:r>
+              <a:rPr lang="en-US" altLang="ko-KR" sz="2000">
+                <a:latin typeface="Rix서울역 Heavy" panose="00000900000000000000" pitchFamily="2" charset="-127"/>
+                <a:ea typeface="Rix서울역 Heavy" panose="00000900000000000000" pitchFamily="2" charset="-127"/>
+              </a:rPr>
+              <a:t>. </a:t>
+            </a:r>
+            <a:r>
+              <a:rPr lang="ko-KR" altLang="en-US" sz="2000">
+                <a:latin typeface="Rix서울역 Heavy" panose="00000900000000000000" pitchFamily="2" charset="-127"/>
+                <a:ea typeface="Rix서울역 Heavy" panose="00000900000000000000" pitchFamily="2" charset="-127"/>
+              </a:rPr>
+              <a:t> </a:t>
+            </a:r>
+            <a:r>
+              <a:rPr lang="en-US" altLang="ko-KR" sz="2000">
+                <a:latin typeface="Rix서울역 Heavy" panose="00000900000000000000" pitchFamily="2" charset="-127"/>
+                <a:ea typeface="Rix서울역 Heavy" panose="00000900000000000000" pitchFamily="2" charset="-127"/>
+              </a:rPr>
+              <a:t> </a:t>
             </a:r>
             <a:endParaRPr lang="ko-KR" altLang="en-US" sz="2000">
               <a:latin typeface="Rix서울역 Heavy" panose="00000900000000000000" pitchFamily="2" charset="-127"/>

--- a/왕자영요.pptx
+++ b/왕자영요.pptx
@@ -4702,7 +4702,7 @@
                 <a:latin typeface="Rix서울역 Heavy" panose="00000900000000000000" pitchFamily="2" charset="-127"/>
                 <a:ea typeface="Rix서울역 Heavy" panose="00000900000000000000" pitchFamily="2" charset="-127"/>
               </a:rPr>
-              <a:t>– Global Season Stage</a:t>
+              <a:t>– Global Season Stage (2022? ~)</a:t>
             </a:r>
             <a:endParaRPr lang="ko-KR" altLang="en-US" sz="2400">
               <a:latin typeface="Rix서울역 Heavy" panose="00000900000000000000" pitchFamily="2" charset="-127"/>
@@ -5270,28 +5270,14 @@
                 <a:latin typeface="Rix서울역 Heavy" panose="00000900000000000000" pitchFamily="2" charset="-127"/>
                 <a:ea typeface="Rix서울역 Heavy" panose="00000900000000000000" pitchFamily="2" charset="-127"/>
               </a:rPr>
-              <a:t>6</a:t>
-            </a:r>
-            <a:r>
-              <a:rPr lang="ko-KR" altLang="en-US" sz="2000">
-                <a:latin typeface="Rix서울역 Heavy" panose="00000900000000000000" pitchFamily="2" charset="-127"/>
-                <a:ea typeface="Rix서울역 Heavy" panose="00000900000000000000" pitchFamily="2" charset="-127"/>
-              </a:rPr>
-              <a:t>천만 달러 이상의 돈을 내야지 운영에 참여하는 것도 중요하고</a:t>
-            </a:r>
-            <a:r>
-              <a:rPr lang="en-US" altLang="ko-KR" sz="2000">
-                <a:latin typeface="Rix서울역 Heavy" panose="00000900000000000000" pitchFamily="2" charset="-127"/>
-                <a:ea typeface="Rix서울역 Heavy" panose="00000900000000000000" pitchFamily="2" charset="-127"/>
-              </a:rPr>
-              <a:t>, </a:t>
-            </a:r>
-            <a:r>
-              <a:rPr lang="ko-KR" altLang="en-US" sz="2000">
-                <a:latin typeface="Rix서울역 Heavy" panose="00000900000000000000" pitchFamily="2" charset="-127"/>
-                <a:ea typeface="Rix서울역 Heavy" panose="00000900000000000000" pitchFamily="2" charset="-127"/>
-              </a:rPr>
-              <a:t>어느 정도의 액수를 내야 운영이 참여하게끔 그런 제도도 하나씩 만드는 것이다</a:t>
+              <a:t>3~6</a:t>
+            </a:r>
+            <a:r>
+              <a:rPr lang="ko-KR" altLang="en-US" sz="2000">
+                <a:latin typeface="Rix서울역 Heavy" panose="00000900000000000000" pitchFamily="2" charset="-127"/>
+                <a:ea typeface="Rix서울역 Heavy" panose="00000900000000000000" pitchFamily="2" charset="-127"/>
+              </a:rPr>
+              <a:t>천만 달러 혹은 그 이상의 돈을 내야지 운영에 참여하는 것등 여러가지 리그 운영에 대한 장치를 마련해야 한다</a:t>
             </a:r>
             <a:r>
               <a:rPr lang="en-US" altLang="ko-KR" sz="2000">
